--- a/presentation3_CSAmodeling.pptx
+++ b/presentation3_CSAmodeling.pptx
@@ -5,7 +5,7 @@
     <p:sldMasterId id="2147483648" r:id="rId1"/>
   </p:sldMasterIdLst>
   <p:notesMasterIdLst>
-    <p:notesMasterId r:id="rId30"/>
+    <p:notesMasterId r:id="rId31"/>
   </p:notesMasterIdLst>
   <p:sldIdLst>
     <p:sldId id="257" r:id="rId2"/>
@@ -14,28 +14,29 @@
     <p:sldId id="275" r:id="rId5"/>
     <p:sldId id="271" r:id="rId6"/>
     <p:sldId id="284" r:id="rId7"/>
-    <p:sldId id="259" r:id="rId8"/>
-    <p:sldId id="260" r:id="rId9"/>
-    <p:sldId id="265" r:id="rId10"/>
-    <p:sldId id="261" r:id="rId11"/>
-    <p:sldId id="262" r:id="rId12"/>
-    <p:sldId id="266" r:id="rId13"/>
-    <p:sldId id="267" r:id="rId14"/>
-    <p:sldId id="276" r:id="rId15"/>
-    <p:sldId id="277" r:id="rId16"/>
-    <p:sldId id="278" r:id="rId17"/>
-    <p:sldId id="279" r:id="rId18"/>
-    <p:sldId id="280" r:id="rId19"/>
-    <p:sldId id="281" r:id="rId20"/>
-    <p:sldId id="283" r:id="rId21"/>
-    <p:sldId id="282" r:id="rId22"/>
-    <p:sldId id="285" r:id="rId23"/>
-    <p:sldId id="286" r:id="rId24"/>
-    <p:sldId id="287" r:id="rId25"/>
-    <p:sldId id="288" r:id="rId26"/>
-    <p:sldId id="291" r:id="rId27"/>
-    <p:sldId id="289" r:id="rId28"/>
-    <p:sldId id="290" r:id="rId29"/>
+    <p:sldId id="292" r:id="rId8"/>
+    <p:sldId id="259" r:id="rId9"/>
+    <p:sldId id="260" r:id="rId10"/>
+    <p:sldId id="265" r:id="rId11"/>
+    <p:sldId id="261" r:id="rId12"/>
+    <p:sldId id="262" r:id="rId13"/>
+    <p:sldId id="266" r:id="rId14"/>
+    <p:sldId id="267" r:id="rId15"/>
+    <p:sldId id="276" r:id="rId16"/>
+    <p:sldId id="277" r:id="rId17"/>
+    <p:sldId id="278" r:id="rId18"/>
+    <p:sldId id="279" r:id="rId19"/>
+    <p:sldId id="280" r:id="rId20"/>
+    <p:sldId id="281" r:id="rId21"/>
+    <p:sldId id="283" r:id="rId22"/>
+    <p:sldId id="282" r:id="rId23"/>
+    <p:sldId id="285" r:id="rId24"/>
+    <p:sldId id="286" r:id="rId25"/>
+    <p:sldId id="287" r:id="rId26"/>
+    <p:sldId id="288" r:id="rId27"/>
+    <p:sldId id="291" r:id="rId28"/>
+    <p:sldId id="289" r:id="rId29"/>
+    <p:sldId id="290" r:id="rId30"/>
   </p:sldIdLst>
   <p:sldSz cx="12192000" cy="6858000"/>
   <p:notesSz cx="6858000" cy="9144000"/>
@@ -224,7 +225,7 @@
           <a:p>
             <a:fld id="{43F5EB6A-358F-414A-8E74-7EBB2B1E8EED}" type="datetimeFigureOut">
               <a:rPr lang="en-US" smtClean="0"/>
-              <a:t>05-Apr-20</a:t>
+              <a:t>07-Apr-20</a:t>
             </a:fld>
             <a:endParaRPr lang="en-US"/>
           </a:p>
@@ -666,7 +667,7 @@
           <a:p>
             <a:fld id="{3094315B-2DD7-4195-9E4D-1FBCFA343AFB}" type="slidenum">
               <a:rPr lang="en-US" smtClean="0"/>
-              <a:t>15</a:t>
+              <a:t>16</a:t>
             </a:fld>
             <a:endParaRPr lang="en-US"/>
           </a:p>
@@ -765,7 +766,7 @@
           <a:p>
             <a:fld id="{3094315B-2DD7-4195-9E4D-1FBCFA343AFB}" type="slidenum">
               <a:rPr lang="en-US" smtClean="0"/>
-              <a:t>16</a:t>
+              <a:t>17</a:t>
             </a:fld>
             <a:endParaRPr lang="en-US"/>
           </a:p>
@@ -873,7 +874,7 @@
           <a:p>
             <a:fld id="{3094315B-2DD7-4195-9E4D-1FBCFA343AFB}" type="slidenum">
               <a:rPr lang="en-US" smtClean="0"/>
-              <a:t>17</a:t>
+              <a:t>18</a:t>
             </a:fld>
             <a:endParaRPr lang="en-US"/>
           </a:p>
@@ -975,7 +976,7 @@
           <a:p>
             <a:fld id="{3094315B-2DD7-4195-9E4D-1FBCFA343AFB}" type="slidenum">
               <a:rPr lang="en-US" smtClean="0"/>
-              <a:t>18</a:t>
+              <a:t>19</a:t>
             </a:fld>
             <a:endParaRPr lang="en-US"/>
           </a:p>
@@ -1124,7 +1125,7 @@
           <a:p>
             <a:fld id="{3094315B-2DD7-4195-9E4D-1FBCFA343AFB}" type="slidenum">
               <a:rPr lang="en-US" smtClean="0"/>
-              <a:t>19</a:t>
+              <a:t>20</a:t>
             </a:fld>
             <a:endParaRPr lang="en-US"/>
           </a:p>
@@ -1248,7 +1249,7 @@
           <a:p>
             <a:fld id="{3094315B-2DD7-4195-9E4D-1FBCFA343AFB}" type="slidenum">
               <a:rPr lang="en-US" smtClean="0"/>
-              <a:t>20</a:t>
+              <a:t>21</a:t>
             </a:fld>
             <a:endParaRPr lang="en-US"/>
           </a:p>
@@ -1445,7 +1446,7 @@
           <a:p>
             <a:fld id="{3094315B-2DD7-4195-9E4D-1FBCFA343AFB}" type="slidenum">
               <a:rPr lang="en-US" smtClean="0"/>
-              <a:t>21</a:t>
+              <a:t>22</a:t>
             </a:fld>
             <a:endParaRPr lang="en-US"/>
           </a:p>
@@ -1553,7 +1554,7 @@
           <a:p>
             <a:fld id="{3094315B-2DD7-4195-9E4D-1FBCFA343AFB}" type="slidenum">
               <a:rPr lang="en-US" smtClean="0"/>
-              <a:t>22</a:t>
+              <a:t>23</a:t>
             </a:fld>
             <a:endParaRPr lang="en-US"/>
           </a:p>
@@ -1661,7 +1662,7 @@
           <a:p>
             <a:fld id="{3094315B-2DD7-4195-9E4D-1FBCFA343AFB}" type="slidenum">
               <a:rPr lang="en-US" smtClean="0"/>
-              <a:t>23</a:t>
+              <a:t>24</a:t>
             </a:fld>
             <a:endParaRPr lang="en-US"/>
           </a:p>
@@ -1766,7 +1767,7 @@
           <a:p>
             <a:fld id="{3094315B-2DD7-4195-9E4D-1FBCFA343AFB}" type="slidenum">
               <a:rPr lang="en-US" smtClean="0"/>
-              <a:t>24</a:t>
+              <a:t>25</a:t>
             </a:fld>
             <a:endParaRPr lang="en-US"/>
           </a:p>
@@ -1940,7 +1941,7 @@
           <a:p>
             <a:fld id="{3094315B-2DD7-4195-9E4D-1FBCFA343AFB}" type="slidenum">
               <a:rPr lang="en-US" smtClean="0"/>
-              <a:t>26</a:t>
+              <a:t>27</a:t>
             </a:fld>
             <a:endParaRPr lang="en-US"/>
           </a:p>
@@ -2037,7 +2038,7 @@
           <a:p>
             <a:fld id="{3094315B-2DD7-4195-9E4D-1FBCFA343AFB}" type="slidenum">
               <a:rPr lang="en-US" smtClean="0"/>
-              <a:t>27</a:t>
+              <a:t>28</a:t>
             </a:fld>
             <a:endParaRPr lang="en-US"/>
           </a:p>
@@ -2145,7 +2146,7 @@
           <a:p>
             <a:fld id="{3094315B-2DD7-4195-9E4D-1FBCFA343AFB}" type="slidenum">
               <a:rPr lang="en-US" smtClean="0"/>
-              <a:t>28</a:t>
+              <a:t>29</a:t>
             </a:fld>
             <a:endParaRPr lang="en-US"/>
           </a:p>
@@ -2403,7 +2404,7 @@
           <a:p>
             <a:fld id="{70CAC5E2-7E6F-4950-8CF5-371E8255B795}" type="slidenum">
               <a:rPr lang="en-US" smtClean="0"/>
-              <a:t>9</a:t>
+              <a:t>10</a:t>
             </a:fld>
             <a:endParaRPr lang="en-US"/>
           </a:p>
@@ -2487,7 +2488,7 @@
           <a:p>
             <a:fld id="{70CAC5E2-7E6F-4950-8CF5-371E8255B795}" type="slidenum">
               <a:rPr lang="en-US" smtClean="0"/>
-              <a:t>10</a:t>
+              <a:t>11</a:t>
             </a:fld>
             <a:endParaRPr lang="en-US"/>
           </a:p>
@@ -2596,7 +2597,7 @@
           <a:p>
             <a:fld id="{70CAC5E2-7E6F-4950-8CF5-371E8255B795}" type="slidenum">
               <a:rPr lang="en-US" smtClean="0"/>
-              <a:t>11</a:t>
+              <a:t>12</a:t>
             </a:fld>
             <a:endParaRPr lang="en-US"/>
           </a:p>
@@ -2686,7 +2687,7 @@
           <a:p>
             <a:fld id="{70CAC5E2-7E6F-4950-8CF5-371E8255B795}" type="slidenum">
               <a:rPr lang="en-US" smtClean="0"/>
-              <a:t>12</a:t>
+              <a:t>13</a:t>
             </a:fld>
             <a:endParaRPr lang="en-US"/>
           </a:p>
@@ -2797,7 +2798,7 @@
           <a:p>
             <a:fld id="{3094315B-2DD7-4195-9E4D-1FBCFA343AFB}" type="slidenum">
               <a:rPr lang="en-US" smtClean="0"/>
-              <a:t>14</a:t>
+              <a:t>15</a:t>
             </a:fld>
             <a:endParaRPr lang="en-US"/>
           </a:p>
@@ -2963,7 +2964,7 @@
           <a:p>
             <a:fld id="{0C4C14C5-10B1-433B-A69C-34AB8540FE38}" type="datetimeFigureOut">
               <a:rPr lang="en-US" smtClean="0"/>
-              <a:t>05-Apr-20</a:t>
+              <a:t>07-Apr-20</a:t>
             </a:fld>
             <a:endParaRPr lang="en-US"/>
           </a:p>
@@ -3161,7 +3162,7 @@
           <a:p>
             <a:fld id="{0C4C14C5-10B1-433B-A69C-34AB8540FE38}" type="datetimeFigureOut">
               <a:rPr lang="en-US" smtClean="0"/>
-              <a:t>05-Apr-20</a:t>
+              <a:t>07-Apr-20</a:t>
             </a:fld>
             <a:endParaRPr lang="en-US"/>
           </a:p>
@@ -3369,7 +3370,7 @@
           <a:p>
             <a:fld id="{0C4C14C5-10B1-433B-A69C-34AB8540FE38}" type="datetimeFigureOut">
               <a:rPr lang="en-US" smtClean="0"/>
-              <a:t>05-Apr-20</a:t>
+              <a:t>07-Apr-20</a:t>
             </a:fld>
             <a:endParaRPr lang="en-US"/>
           </a:p>
@@ -3567,7 +3568,7 @@
           <a:p>
             <a:fld id="{0C4C14C5-10B1-433B-A69C-34AB8540FE38}" type="datetimeFigureOut">
               <a:rPr lang="en-US" smtClean="0"/>
-              <a:t>05-Apr-20</a:t>
+              <a:t>07-Apr-20</a:t>
             </a:fld>
             <a:endParaRPr lang="en-US"/>
           </a:p>
@@ -3842,7 +3843,7 @@
           <a:p>
             <a:fld id="{0C4C14C5-10B1-433B-A69C-34AB8540FE38}" type="datetimeFigureOut">
               <a:rPr lang="en-US" smtClean="0"/>
-              <a:t>05-Apr-20</a:t>
+              <a:t>07-Apr-20</a:t>
             </a:fld>
             <a:endParaRPr lang="en-US"/>
           </a:p>
@@ -4107,7 +4108,7 @@
           <a:p>
             <a:fld id="{0C4C14C5-10B1-433B-A69C-34AB8540FE38}" type="datetimeFigureOut">
               <a:rPr lang="en-US" smtClean="0"/>
-              <a:t>05-Apr-20</a:t>
+              <a:t>07-Apr-20</a:t>
             </a:fld>
             <a:endParaRPr lang="en-US"/>
           </a:p>
@@ -4519,7 +4520,7 @@
           <a:p>
             <a:fld id="{0C4C14C5-10B1-433B-A69C-34AB8540FE38}" type="datetimeFigureOut">
               <a:rPr lang="en-US" smtClean="0"/>
-              <a:t>05-Apr-20</a:t>
+              <a:t>07-Apr-20</a:t>
             </a:fld>
             <a:endParaRPr lang="en-US"/>
           </a:p>
@@ -4660,7 +4661,7 @@
           <a:p>
             <a:fld id="{0C4C14C5-10B1-433B-A69C-34AB8540FE38}" type="datetimeFigureOut">
               <a:rPr lang="en-US" smtClean="0"/>
-              <a:t>05-Apr-20</a:t>
+              <a:t>07-Apr-20</a:t>
             </a:fld>
             <a:endParaRPr lang="en-US"/>
           </a:p>
@@ -4773,7 +4774,7 @@
           <a:p>
             <a:fld id="{0C4C14C5-10B1-433B-A69C-34AB8540FE38}" type="datetimeFigureOut">
               <a:rPr lang="en-US" smtClean="0"/>
-              <a:t>05-Apr-20</a:t>
+              <a:t>07-Apr-20</a:t>
             </a:fld>
             <a:endParaRPr lang="en-US"/>
           </a:p>
@@ -5084,7 +5085,7 @@
           <a:p>
             <a:fld id="{0C4C14C5-10B1-433B-A69C-34AB8540FE38}" type="datetimeFigureOut">
               <a:rPr lang="en-US" smtClean="0"/>
-              <a:t>05-Apr-20</a:t>
+              <a:t>07-Apr-20</a:t>
             </a:fld>
             <a:endParaRPr lang="en-US"/>
           </a:p>
@@ -5372,7 +5373,7 @@
           <a:p>
             <a:fld id="{0C4C14C5-10B1-433B-A69C-34AB8540FE38}" type="datetimeFigureOut">
               <a:rPr lang="en-US" smtClean="0"/>
-              <a:t>05-Apr-20</a:t>
+              <a:t>07-Apr-20</a:t>
             </a:fld>
             <a:endParaRPr lang="en-US"/>
           </a:p>
@@ -5613,7 +5614,7 @@
           <a:p>
             <a:fld id="{0C4C14C5-10B1-433B-A69C-34AB8540FE38}" type="datetimeFigureOut">
               <a:rPr lang="en-US" smtClean="0"/>
-              <a:t>05-Apr-20</a:t>
+              <a:t>07-Apr-20</a:t>
             </a:fld>
             <a:endParaRPr lang="en-US"/>
           </a:p>
@@ -6147,7 +6148,7 @@
           <p:cNvPr id="2" name="Title 1">
             <a:extLst>
               <a:ext uri="{FF2B5EF4-FFF2-40B4-BE49-F238E27FC236}">
-                <a16:creationId xmlns:a16="http://schemas.microsoft.com/office/drawing/2014/main" id="{AF1F1EC4-6BB2-4EBC-B1CD-152424598244}"/>
+                <a16:creationId xmlns:a16="http://schemas.microsoft.com/office/drawing/2014/main" id="{5A565922-C0F0-4D5B-82EE-F5FD671ACDF8}"/>
               </a:ext>
             </a:extLst>
           </p:cNvPr>
@@ -6163,10 +6164,7 @@
           <a:bodyPr/>
           <a:lstStyle/>
           <a:p>
-            <a:r>
-              <a:rPr lang="en-US" dirty="0"/>
-              <a:t>Linear Temporal Logic</a:t>
-            </a:r>
+            <a:endParaRPr lang="en-US" dirty="0"/>
           </a:p>
         </p:txBody>
       </p:sp>
@@ -6175,7 +6173,7 @@
           <p:cNvPr id="3" name="Content Placeholder 2">
             <a:extLst>
               <a:ext uri="{FF2B5EF4-FFF2-40B4-BE49-F238E27FC236}">
-                <a16:creationId xmlns:a16="http://schemas.microsoft.com/office/drawing/2014/main" id="{2E9D30BE-5499-407F-BB25-6D9AEC11723F}"/>
+                <a16:creationId xmlns:a16="http://schemas.microsoft.com/office/drawing/2014/main" id="{2DAC526F-3D9C-46A3-8CAB-74C93684E130}"/>
               </a:ext>
             </a:extLst>
           </p:cNvPr>
@@ -6191,50 +6189,44 @@
           <a:bodyPr/>
           <a:lstStyle/>
           <a:p>
-            <a:r>
-              <a:rPr lang="en-US" dirty="0"/>
-              <a:t>Similar to the CTL we examined before in class.</a:t>
-            </a:r>
-          </a:p>
-          <a:p>
-            <a:r>
-              <a:rPr lang="en-US" dirty="0"/>
-              <a:t>Addition of new logics: </a:t>
-            </a:r>
-          </a:p>
-          <a:p>
-            <a:pPr lvl="1"/>
-            <a:r>
-              <a:rPr lang="en-US" dirty="0"/>
-              <a:t>Release (R)</a:t>
-            </a:r>
-          </a:p>
-          <a:p>
-            <a:pPr lvl="1"/>
-            <a:r>
-              <a:rPr lang="en-US" dirty="0"/>
-              <a:t>Weak Until (W)</a:t>
-            </a:r>
-          </a:p>
-          <a:p>
-            <a:pPr lvl="1"/>
-            <a:r>
-              <a:rPr lang="en-US" dirty="0"/>
-              <a:t>Strong Release (M)</a:t>
-            </a:r>
-          </a:p>
-          <a:p>
-            <a:r>
-              <a:rPr lang="en-US" dirty="0"/>
-              <a:t>“Give Recall releases Check Reception” as an example</a:t>
-            </a:r>
-          </a:p>
-        </p:txBody>
-      </p:sp>
+            <a:endParaRPr lang="en-US" dirty="0"/>
+          </a:p>
+        </p:txBody>
+      </p:sp>
+      <p:pic>
+        <p:nvPicPr>
+          <p:cNvPr id="6" name="Picture 5">
+            <a:extLst>
+              <a:ext uri="{FF2B5EF4-FFF2-40B4-BE49-F238E27FC236}">
+                <a16:creationId xmlns:a16="http://schemas.microsoft.com/office/drawing/2014/main" id="{C75B623B-93D0-43B3-9764-F495CC02D042}"/>
+              </a:ext>
+            </a:extLst>
+          </p:cNvPr>
+          <p:cNvPicPr>
+            <a:picLocks noChangeAspect="1"/>
+          </p:cNvPicPr>
+          <p:nvPr/>
+        </p:nvPicPr>
+        <p:blipFill>
+          <a:blip r:embed="rId3"/>
+          <a:stretch>
+            <a:fillRect/>
+          </a:stretch>
+        </p:blipFill>
+        <p:spPr>
+          <a:xfrm>
+            <a:off x="268626" y="0"/>
+            <a:ext cx="11654747" cy="6858000"/>
+          </a:xfrm>
+          <a:prstGeom prst="rect">
+            <a:avLst/>
+          </a:prstGeom>
+        </p:spPr>
+      </p:pic>
     </p:spTree>
     <p:extLst>
       <p:ext uri="{BB962C8B-B14F-4D97-AF65-F5344CB8AC3E}">
-        <p14:creationId xmlns:p14="http://schemas.microsoft.com/office/powerpoint/2010/main" val="42754617"/>
+        <p14:creationId xmlns:p14="http://schemas.microsoft.com/office/powerpoint/2010/main" val="4262448210"/>
       </p:ext>
     </p:extLst>
   </p:cSld>
@@ -6266,6 +6258,125 @@
           <p:cNvPr id="2" name="Title 1">
             <a:extLst>
               <a:ext uri="{FF2B5EF4-FFF2-40B4-BE49-F238E27FC236}">
+                <a16:creationId xmlns:a16="http://schemas.microsoft.com/office/drawing/2014/main" id="{AF1F1EC4-6BB2-4EBC-B1CD-152424598244}"/>
+              </a:ext>
+            </a:extLst>
+          </p:cNvPr>
+          <p:cNvSpPr>
+            <a:spLocks noGrp="1"/>
+          </p:cNvSpPr>
+          <p:nvPr>
+            <p:ph type="title"/>
+          </p:nvPr>
+        </p:nvSpPr>
+        <p:spPr/>
+        <p:txBody>
+          <a:bodyPr/>
+          <a:lstStyle/>
+          <a:p>
+            <a:r>
+              <a:rPr lang="en-US" dirty="0"/>
+              <a:t>Linear Temporal Logic</a:t>
+            </a:r>
+          </a:p>
+        </p:txBody>
+      </p:sp>
+      <p:sp>
+        <p:nvSpPr>
+          <p:cNvPr id="3" name="Content Placeholder 2">
+            <a:extLst>
+              <a:ext uri="{FF2B5EF4-FFF2-40B4-BE49-F238E27FC236}">
+                <a16:creationId xmlns:a16="http://schemas.microsoft.com/office/drawing/2014/main" id="{2E9D30BE-5499-407F-BB25-6D9AEC11723F}"/>
+              </a:ext>
+            </a:extLst>
+          </p:cNvPr>
+          <p:cNvSpPr>
+            <a:spLocks noGrp="1"/>
+          </p:cNvSpPr>
+          <p:nvPr>
+            <p:ph idx="1"/>
+          </p:nvPr>
+        </p:nvSpPr>
+        <p:spPr/>
+        <p:txBody>
+          <a:bodyPr/>
+          <a:lstStyle/>
+          <a:p>
+            <a:r>
+              <a:rPr lang="en-US" dirty="0"/>
+              <a:t>Similar to the CTL we examined before in class.</a:t>
+            </a:r>
+          </a:p>
+          <a:p>
+            <a:r>
+              <a:rPr lang="en-US" dirty="0"/>
+              <a:t>Addition of new logics: </a:t>
+            </a:r>
+          </a:p>
+          <a:p>
+            <a:pPr lvl="1"/>
+            <a:r>
+              <a:rPr lang="en-US" dirty="0"/>
+              <a:t>Release (R)</a:t>
+            </a:r>
+          </a:p>
+          <a:p>
+            <a:pPr lvl="1"/>
+            <a:r>
+              <a:rPr lang="en-US" dirty="0"/>
+              <a:t>Weak Until (W)</a:t>
+            </a:r>
+          </a:p>
+          <a:p>
+            <a:pPr lvl="1"/>
+            <a:r>
+              <a:rPr lang="en-US" dirty="0"/>
+              <a:t>Strong Release (M)</a:t>
+            </a:r>
+          </a:p>
+          <a:p>
+            <a:r>
+              <a:rPr lang="en-US" dirty="0"/>
+              <a:t>“Give Recall releases Check Reception” as an example</a:t>
+            </a:r>
+          </a:p>
+        </p:txBody>
+      </p:sp>
+    </p:spTree>
+    <p:extLst>
+      <p:ext uri="{BB962C8B-B14F-4D97-AF65-F5344CB8AC3E}">
+        <p14:creationId xmlns:p14="http://schemas.microsoft.com/office/powerpoint/2010/main" val="42754617"/>
+      </p:ext>
+    </p:extLst>
+  </p:cSld>
+  <p:clrMapOvr>
+    <a:masterClrMapping/>
+  </p:clrMapOvr>
+</p:sld>
+</file>
+
+<file path=ppt/slides/slide12.xml><?xml version="1.0" encoding="utf-8"?>
+<p:sld xmlns:a="http://schemas.openxmlformats.org/drawingml/2006/main" xmlns:r="http://schemas.openxmlformats.org/officeDocument/2006/relationships" xmlns:p="http://schemas.openxmlformats.org/presentationml/2006/main" show="0">
+  <p:cSld>
+    <p:spTree>
+      <p:nvGrpSpPr>
+        <p:cNvPr id="1" name=""/>
+        <p:cNvGrpSpPr/>
+        <p:nvPr/>
+      </p:nvGrpSpPr>
+      <p:grpSpPr>
+        <a:xfrm>
+          <a:off x="0" y="0"/>
+          <a:ext cx="0" cy="0"/>
+          <a:chOff x="0" y="0"/>
+          <a:chExt cx="0" cy="0"/>
+        </a:xfrm>
+      </p:grpSpPr>
+      <p:sp>
+        <p:nvSpPr>
+          <p:cNvPr id="2" name="Title 1">
+            <a:extLst>
+              <a:ext uri="{FF2B5EF4-FFF2-40B4-BE49-F238E27FC236}">
                 <a16:creationId xmlns:a16="http://schemas.microsoft.com/office/drawing/2014/main" id="{4F4F4BD9-F5E1-49D7-A209-A567D33F1358}"/>
               </a:ext>
             </a:extLst>
@@ -6339,7 +6450,7 @@
 </p:sld>
 </file>
 
-<file path=ppt/slides/slide12.xml><?xml version="1.0" encoding="utf-8"?>
+<file path=ppt/slides/slide13.xml><?xml version="1.0" encoding="utf-8"?>
 <p:sld xmlns:a="http://schemas.openxmlformats.org/drawingml/2006/main" xmlns:r="http://schemas.openxmlformats.org/officeDocument/2006/relationships" xmlns:p="http://schemas.openxmlformats.org/presentationml/2006/main" show="0">
   <p:cSld>
     <p:spTree>
@@ -6703,7 +6814,7 @@
 </p:sld>
 </file>
 
-<file path=ppt/slides/slide13.xml><?xml version="1.0" encoding="utf-8"?>
+<file path=ppt/slides/slide14.xml><?xml version="1.0" encoding="utf-8"?>
 <p:sld xmlns:a="http://schemas.openxmlformats.org/drawingml/2006/main" xmlns:r="http://schemas.openxmlformats.org/officeDocument/2006/relationships" xmlns:p="http://schemas.openxmlformats.org/presentationml/2006/main" show="0">
   <p:cSld>
     <p:spTree>
@@ -6793,7 +6904,7 @@
 </p:sld>
 </file>
 
-<file path=ppt/slides/slide14.xml><?xml version="1.0" encoding="utf-8"?>
+<file path=ppt/slides/slide15.xml><?xml version="1.0" encoding="utf-8"?>
 <p:sld xmlns:a="http://schemas.openxmlformats.org/drawingml/2006/main" xmlns:r="http://schemas.openxmlformats.org/officeDocument/2006/relationships" xmlns:p="http://schemas.openxmlformats.org/presentationml/2006/main" show="0">
   <p:cSld>
     <p:spTree>
@@ -6886,7 +6997,7 @@
 </p:sld>
 </file>
 
-<file path=ppt/slides/slide15.xml><?xml version="1.0" encoding="utf-8"?>
+<file path=ppt/slides/slide16.xml><?xml version="1.0" encoding="utf-8"?>
 <p:sld xmlns:a="http://schemas.openxmlformats.org/drawingml/2006/main" xmlns:r="http://schemas.openxmlformats.org/officeDocument/2006/relationships" xmlns:p="http://schemas.openxmlformats.org/presentationml/2006/main" show="0">
   <p:cSld>
     <p:spTree>
@@ -7497,7 +7608,7 @@
 </p:sld>
 </file>
 
-<file path=ppt/slides/slide16.xml><?xml version="1.0" encoding="utf-8"?>
+<file path=ppt/slides/slide17.xml><?xml version="1.0" encoding="utf-8"?>
 <p:sld xmlns:a="http://schemas.openxmlformats.org/drawingml/2006/main" xmlns:r="http://schemas.openxmlformats.org/officeDocument/2006/relationships" xmlns:p="http://schemas.openxmlformats.org/presentationml/2006/main" show="0">
   <p:cSld>
     <p:spTree>
@@ -7771,7 +7882,7 @@
 </p:sld>
 </file>
 
-<file path=ppt/slides/slide17.xml><?xml version="1.0" encoding="utf-8"?>
+<file path=ppt/slides/slide18.xml><?xml version="1.0" encoding="utf-8"?>
 <p:sld xmlns:a="http://schemas.openxmlformats.org/drawingml/2006/main" xmlns:r="http://schemas.openxmlformats.org/officeDocument/2006/relationships" xmlns:p="http://schemas.openxmlformats.org/presentationml/2006/main" show="0">
   <p:cSld>
     <p:spTree>
@@ -7872,7 +7983,7 @@
 </p:sld>
 </file>
 
-<file path=ppt/slides/slide18.xml><?xml version="1.0" encoding="utf-8"?>
+<file path=ppt/slides/slide19.xml><?xml version="1.0" encoding="utf-8"?>
 <p:sld xmlns:a="http://schemas.openxmlformats.org/drawingml/2006/main" xmlns:r="http://schemas.openxmlformats.org/officeDocument/2006/relationships" xmlns:p="http://schemas.openxmlformats.org/presentationml/2006/main" show="0">
   <p:cSld>
     <p:spTree>
@@ -7985,7 +8096,108 @@
 </p:sld>
 </file>
 
-<file path=ppt/slides/slide19.xml><?xml version="1.0" encoding="utf-8"?>
+<file path=ppt/slides/slide2.xml><?xml version="1.0" encoding="utf-8"?>
+<p:sld xmlns:a="http://schemas.openxmlformats.org/drawingml/2006/main" xmlns:r="http://schemas.openxmlformats.org/officeDocument/2006/relationships" xmlns:p="http://schemas.openxmlformats.org/presentationml/2006/main">
+  <p:cSld>
+    <p:spTree>
+      <p:nvGrpSpPr>
+        <p:cNvPr id="1" name=""/>
+        <p:cNvGrpSpPr/>
+        <p:nvPr/>
+      </p:nvGrpSpPr>
+      <p:grpSpPr>
+        <a:xfrm>
+          <a:off x="0" y="0"/>
+          <a:ext cx="0" cy="0"/>
+          <a:chOff x="0" y="0"/>
+          <a:chExt cx="0" cy="0"/>
+        </a:xfrm>
+      </p:grpSpPr>
+      <p:sp>
+        <p:nvSpPr>
+          <p:cNvPr id="2" name="Title 1">
+            <a:extLst>
+              <a:ext uri="{FF2B5EF4-FFF2-40B4-BE49-F238E27FC236}">
+                <a16:creationId xmlns:a16="http://schemas.microsoft.com/office/drawing/2014/main" id="{CFD86C69-3603-4A30-9089-B8E803A513B5}"/>
+              </a:ext>
+            </a:extLst>
+          </p:cNvPr>
+          <p:cNvSpPr>
+            <a:spLocks noGrp="1"/>
+          </p:cNvSpPr>
+          <p:nvPr>
+            <p:ph type="title"/>
+          </p:nvPr>
+        </p:nvSpPr>
+        <p:spPr/>
+        <p:txBody>
+          <a:bodyPr/>
+          <a:lstStyle/>
+          <a:p>
+            <a:r>
+              <a:rPr lang="en-US" dirty="0"/>
+              <a:t>Overarching Goal</a:t>
+            </a:r>
+          </a:p>
+        </p:txBody>
+      </p:sp>
+      <p:sp>
+        <p:nvSpPr>
+          <p:cNvPr id="3" name="Content Placeholder 2">
+            <a:extLst>
+              <a:ext uri="{FF2B5EF4-FFF2-40B4-BE49-F238E27FC236}">
+                <a16:creationId xmlns:a16="http://schemas.microsoft.com/office/drawing/2014/main" id="{DB5A703D-E044-47D8-997B-C191A5271BA4}"/>
+              </a:ext>
+            </a:extLst>
+          </p:cNvPr>
+          <p:cNvSpPr>
+            <a:spLocks noGrp="1"/>
+          </p:cNvSpPr>
+          <p:nvPr>
+            <p:ph idx="1"/>
+          </p:nvPr>
+        </p:nvSpPr>
+        <p:spPr/>
+        <p:txBody>
+          <a:bodyPr/>
+          <a:lstStyle/>
+          <a:p>
+            <a:r>
+              <a:rPr lang="en-US" dirty="0"/>
+              <a:t>Goal: To make conversation go smoothly from the beginning to the end of the conversation.</a:t>
+            </a:r>
+          </a:p>
+          <a:p>
+            <a:endParaRPr lang="en-US" dirty="0"/>
+          </a:p>
+          <a:p>
+            <a:endParaRPr lang="en-US" dirty="0"/>
+          </a:p>
+          <a:p>
+            <a:r>
+              <a:rPr lang="en-US" dirty="0"/>
+              <a:t>Context: Modelling a collaborative conversation between two people working on a common goal.</a:t>
+            </a:r>
+          </a:p>
+          <a:p>
+            <a:endParaRPr lang="en-US" dirty="0"/>
+          </a:p>
+        </p:txBody>
+      </p:sp>
+    </p:spTree>
+    <p:extLst>
+      <p:ext uri="{BB962C8B-B14F-4D97-AF65-F5344CB8AC3E}">
+        <p14:creationId xmlns:p14="http://schemas.microsoft.com/office/powerpoint/2010/main" val="1995833520"/>
+      </p:ext>
+    </p:extLst>
+  </p:cSld>
+  <p:clrMapOvr>
+    <a:masterClrMapping/>
+  </p:clrMapOvr>
+</p:sld>
+</file>
+
+<file path=ppt/slides/slide20.xml><?xml version="1.0" encoding="utf-8"?>
 <p:sld xmlns:a="http://schemas.openxmlformats.org/drawingml/2006/main" xmlns:r="http://schemas.openxmlformats.org/officeDocument/2006/relationships" xmlns:p="http://schemas.openxmlformats.org/presentationml/2006/main" show="0">
   <p:cSld>
     <p:spTree>
@@ -8147,205 +8359,6 @@
 </p:sld>
 </file>
 
-<file path=ppt/slides/slide2.xml><?xml version="1.0" encoding="utf-8"?>
-<p:sld xmlns:a="http://schemas.openxmlformats.org/drawingml/2006/main" xmlns:r="http://schemas.openxmlformats.org/officeDocument/2006/relationships" xmlns:p="http://schemas.openxmlformats.org/presentationml/2006/main" show="0">
-  <p:cSld>
-    <p:spTree>
-      <p:nvGrpSpPr>
-        <p:cNvPr id="1" name=""/>
-        <p:cNvGrpSpPr/>
-        <p:nvPr/>
-      </p:nvGrpSpPr>
-      <p:grpSpPr>
-        <a:xfrm>
-          <a:off x="0" y="0"/>
-          <a:ext cx="0" cy="0"/>
-          <a:chOff x="0" y="0"/>
-          <a:chExt cx="0" cy="0"/>
-        </a:xfrm>
-      </p:grpSpPr>
-      <p:sp>
-        <p:nvSpPr>
-          <p:cNvPr id="2" name="Title 1">
-            <a:extLst>
-              <a:ext uri="{FF2B5EF4-FFF2-40B4-BE49-F238E27FC236}">
-                <a16:creationId xmlns:a16="http://schemas.microsoft.com/office/drawing/2014/main" id="{CFD86C69-3603-4A30-9089-B8E803A513B5}"/>
-              </a:ext>
-            </a:extLst>
-          </p:cNvPr>
-          <p:cNvSpPr>
-            <a:spLocks noGrp="1"/>
-          </p:cNvSpPr>
-          <p:nvPr>
-            <p:ph type="title"/>
-          </p:nvPr>
-        </p:nvSpPr>
-        <p:spPr/>
-        <p:txBody>
-          <a:bodyPr/>
-          <a:lstStyle/>
-          <a:p>
-            <a:r>
-              <a:rPr lang="en-US" dirty="0"/>
-              <a:t>Overarching Goal</a:t>
-            </a:r>
-          </a:p>
-        </p:txBody>
-      </p:sp>
-      <p:sp>
-        <p:nvSpPr>
-          <p:cNvPr id="3" name="Content Placeholder 2">
-            <a:extLst>
-              <a:ext uri="{FF2B5EF4-FFF2-40B4-BE49-F238E27FC236}">
-                <a16:creationId xmlns:a16="http://schemas.microsoft.com/office/drawing/2014/main" id="{DB5A703D-E044-47D8-997B-C191A5271BA4}"/>
-              </a:ext>
-            </a:extLst>
-          </p:cNvPr>
-          <p:cNvSpPr>
-            <a:spLocks noGrp="1"/>
-          </p:cNvSpPr>
-          <p:nvPr>
-            <p:ph idx="1"/>
-          </p:nvPr>
-        </p:nvSpPr>
-        <p:spPr/>
-        <p:txBody>
-          <a:bodyPr/>
-          <a:lstStyle/>
-          <a:p>
-            <a:r>
-              <a:rPr lang="en-US" dirty="0"/>
-              <a:t>Goal: To make conversation go smoothly from the beginning to the end of the conversation.</a:t>
-            </a:r>
-          </a:p>
-          <a:p>
-            <a:endParaRPr lang="en-US" dirty="0"/>
-          </a:p>
-          <a:p>
-            <a:endParaRPr lang="en-US" dirty="0"/>
-          </a:p>
-          <a:p>
-            <a:r>
-              <a:rPr lang="en-US" dirty="0"/>
-              <a:t>Context: Modelling a collaborative conversation between two people working on a common goal.</a:t>
-            </a:r>
-          </a:p>
-          <a:p>
-            <a:endParaRPr lang="en-US" dirty="0"/>
-          </a:p>
-        </p:txBody>
-      </p:sp>
-    </p:spTree>
-    <p:extLst>
-      <p:ext uri="{BB962C8B-B14F-4D97-AF65-F5344CB8AC3E}">
-        <p14:creationId xmlns:p14="http://schemas.microsoft.com/office/powerpoint/2010/main" val="1995833520"/>
-      </p:ext>
-    </p:extLst>
-  </p:cSld>
-  <p:clrMapOvr>
-    <a:masterClrMapping/>
-  </p:clrMapOvr>
-</p:sld>
-</file>
-
-<file path=ppt/slides/slide20.xml><?xml version="1.0" encoding="utf-8"?>
-<p:sld xmlns:a="http://schemas.openxmlformats.org/drawingml/2006/main" xmlns:r="http://schemas.openxmlformats.org/officeDocument/2006/relationships" xmlns:p="http://schemas.openxmlformats.org/presentationml/2006/main" show="0">
-  <p:cSld>
-    <p:spTree>
-      <p:nvGrpSpPr>
-        <p:cNvPr id="1" name=""/>
-        <p:cNvGrpSpPr/>
-        <p:nvPr/>
-      </p:nvGrpSpPr>
-      <p:grpSpPr>
-        <a:xfrm>
-          <a:off x="0" y="0"/>
-          <a:ext cx="0" cy="0"/>
-          <a:chOff x="0" y="0"/>
-          <a:chExt cx="0" cy="0"/>
-        </a:xfrm>
-      </p:grpSpPr>
-      <p:sp>
-        <p:nvSpPr>
-          <p:cNvPr id="2" name="Title 1">
-            <a:extLst>
-              <a:ext uri="{FF2B5EF4-FFF2-40B4-BE49-F238E27FC236}">
-                <a16:creationId xmlns:a16="http://schemas.microsoft.com/office/drawing/2014/main" id="{E644972E-41E9-4255-92CB-EF00420DEE6C}"/>
-              </a:ext>
-            </a:extLst>
-          </p:cNvPr>
-          <p:cNvSpPr>
-            <a:spLocks noGrp="1"/>
-          </p:cNvSpPr>
-          <p:nvPr>
-            <p:ph type="title"/>
-          </p:nvPr>
-        </p:nvSpPr>
-        <p:spPr/>
-        <p:txBody>
-          <a:bodyPr/>
-          <a:lstStyle/>
-          <a:p>
-            <a:r>
-              <a:rPr lang="en-US" dirty="0"/>
-              <a:t>Process Discovery – Process Model</a:t>
-            </a:r>
-          </a:p>
-        </p:txBody>
-      </p:sp>
-      <p:sp>
-        <p:nvSpPr>
-          <p:cNvPr id="3" name="Content Placeholder 2">
-            <a:extLst>
-              <a:ext uri="{FF2B5EF4-FFF2-40B4-BE49-F238E27FC236}">
-                <a16:creationId xmlns:a16="http://schemas.microsoft.com/office/drawing/2014/main" id="{C77FF48B-BDBC-4B61-B33A-BACC53D2A78F}"/>
-              </a:ext>
-            </a:extLst>
-          </p:cNvPr>
-          <p:cNvSpPr>
-            <a:spLocks noGrp="1"/>
-          </p:cNvSpPr>
-          <p:nvPr>
-            <p:ph idx="1"/>
-          </p:nvPr>
-        </p:nvSpPr>
-        <p:spPr/>
-        <p:txBody>
-          <a:bodyPr/>
-          <a:lstStyle/>
-          <a:p>
-            <a:r>
-              <a:rPr lang="en-US" dirty="0"/>
-              <a:t>Event Log -&gt; Algorithm* -&gt; Process Model</a:t>
-            </a:r>
-          </a:p>
-          <a:p>
-            <a:r>
-              <a:rPr lang="en-US" dirty="0"/>
-              <a:t>Need for pre-processing</a:t>
-            </a:r>
-          </a:p>
-          <a:p>
-            <a:r>
-              <a:rPr lang="en-US" dirty="0"/>
-              <a:t>Algorithm on top of LTL?</a:t>
-            </a:r>
-          </a:p>
-        </p:txBody>
-      </p:sp>
-    </p:spTree>
-    <p:extLst>
-      <p:ext uri="{BB962C8B-B14F-4D97-AF65-F5344CB8AC3E}">
-        <p14:creationId xmlns:p14="http://schemas.microsoft.com/office/powerpoint/2010/main" val="3160568185"/>
-      </p:ext>
-    </p:extLst>
-  </p:cSld>
-  <p:clrMapOvr>
-    <a:masterClrMapping/>
-  </p:clrMapOvr>
-</p:sld>
-</file>
-
 <file path=ppt/slides/slide21.xml><?xml version="1.0" encoding="utf-8"?>
 <p:sld xmlns:a="http://schemas.openxmlformats.org/drawingml/2006/main" xmlns:r="http://schemas.openxmlformats.org/officeDocument/2006/relationships" xmlns:p="http://schemas.openxmlformats.org/presentationml/2006/main" show="0">
   <p:cSld>
@@ -8368,7 +8381,7 @@
           <p:cNvPr id="2" name="Title 1">
             <a:extLst>
               <a:ext uri="{FF2B5EF4-FFF2-40B4-BE49-F238E27FC236}">
-                <a16:creationId xmlns:a16="http://schemas.microsoft.com/office/drawing/2014/main" id="{EC19D1BA-70C4-4FE3-A4F6-952141B0ACEC}"/>
+                <a16:creationId xmlns:a16="http://schemas.microsoft.com/office/drawing/2014/main" id="{E644972E-41E9-4255-92CB-EF00420DEE6C}"/>
               </a:ext>
             </a:extLst>
           </p:cNvPr>
@@ -8386,7 +8399,7 @@
           <a:p>
             <a:r>
               <a:rPr lang="en-US" dirty="0"/>
-              <a:t>Coding Language</a:t>
+              <a:t>Process Discovery – Process Model</a:t>
             </a:r>
           </a:p>
         </p:txBody>
@@ -8396,7 +8409,7 @@
           <p:cNvPr id="3" name="Content Placeholder 2">
             <a:extLst>
               <a:ext uri="{FF2B5EF4-FFF2-40B4-BE49-F238E27FC236}">
-                <a16:creationId xmlns:a16="http://schemas.microsoft.com/office/drawing/2014/main" id="{1221AAC2-805A-4AE5-A783-EC4647A55F66}"/>
+                <a16:creationId xmlns:a16="http://schemas.microsoft.com/office/drawing/2014/main" id="{C77FF48B-BDBC-4B61-B33A-BACC53D2A78F}"/>
               </a:ext>
             </a:extLst>
           </p:cNvPr>
@@ -8414,49 +8427,27 @@
           <a:p>
             <a:r>
               <a:rPr lang="en-US" dirty="0"/>
-              <a:t>Appropriate for modeling: speed, efficiency, syntax, and readability</a:t>
-            </a:r>
-          </a:p>
-          <a:p>
-            <a:r>
-              <a:rPr lang="en-US" dirty="0"/>
-              <a:t>Swift</a:t>
-            </a:r>
-          </a:p>
-          <a:p>
-            <a:r>
-              <a:rPr lang="en-US" dirty="0"/>
-              <a:t>C/C++</a:t>
-            </a:r>
-          </a:p>
-          <a:p>
-            <a:r>
-              <a:rPr lang="en-US" dirty="0"/>
-              <a:t>Rust</a:t>
-            </a:r>
-          </a:p>
-          <a:p>
-            <a:r>
-              <a:rPr lang="en-US" dirty="0"/>
-              <a:t>Java</a:t>
-            </a:r>
-          </a:p>
-          <a:p>
-            <a:r>
-              <a:rPr lang="en-US" dirty="0" err="1"/>
-              <a:t>ProM</a:t>
-            </a:r>
-            <a:endParaRPr lang="en-US" dirty="0"/>
-          </a:p>
-          <a:p>
-            <a:endParaRPr lang="en-US" dirty="0"/>
+              <a:t>Event Log -&gt; Algorithm* -&gt; Process Model</a:t>
+            </a:r>
+          </a:p>
+          <a:p>
+            <a:r>
+              <a:rPr lang="en-US" dirty="0"/>
+              <a:t>Need for pre-processing</a:t>
+            </a:r>
+          </a:p>
+          <a:p>
+            <a:r>
+              <a:rPr lang="en-US" dirty="0"/>
+              <a:t>Algorithm on top of LTL?</a:t>
+            </a:r>
           </a:p>
         </p:txBody>
       </p:sp>
     </p:spTree>
     <p:extLst>
       <p:ext uri="{BB962C8B-B14F-4D97-AF65-F5344CB8AC3E}">
-        <p14:creationId xmlns:p14="http://schemas.microsoft.com/office/powerpoint/2010/main" val="3950442811"/>
+        <p14:creationId xmlns:p14="http://schemas.microsoft.com/office/powerpoint/2010/main" val="3160568185"/>
       </p:ext>
     </p:extLst>
   </p:cSld>
@@ -8467,7 +8458,7 @@
 </file>
 
 <file path=ppt/slides/slide22.xml><?xml version="1.0" encoding="utf-8"?>
-<p:sld xmlns:a="http://schemas.openxmlformats.org/drawingml/2006/main" xmlns:r="http://schemas.openxmlformats.org/officeDocument/2006/relationships" xmlns:p="http://schemas.openxmlformats.org/presentationml/2006/main">
+<p:sld xmlns:a="http://schemas.openxmlformats.org/drawingml/2006/main" xmlns:r="http://schemas.openxmlformats.org/officeDocument/2006/relationships" xmlns:p="http://schemas.openxmlformats.org/presentationml/2006/main" show="0">
   <p:cSld>
     <p:spTree>
       <p:nvGrpSpPr>
@@ -8488,7 +8479,7 @@
           <p:cNvPr id="2" name="Title 1">
             <a:extLst>
               <a:ext uri="{FF2B5EF4-FFF2-40B4-BE49-F238E27FC236}">
-                <a16:creationId xmlns:a16="http://schemas.microsoft.com/office/drawing/2014/main" id="{05FBD2A8-8198-40D1-8431-93EF4FF3EFA9}"/>
+                <a16:creationId xmlns:a16="http://schemas.microsoft.com/office/drawing/2014/main" id="{EC19D1BA-70C4-4FE3-A4F6-952141B0ACEC}"/>
               </a:ext>
             </a:extLst>
           </p:cNvPr>
@@ -8506,7 +8497,7 @@
           <a:p>
             <a:r>
               <a:rPr lang="en-US" dirty="0"/>
-              <a:t>Process Discovery – Quality</a:t>
+              <a:t>Coding Language</a:t>
             </a:r>
           </a:p>
         </p:txBody>
@@ -8516,7 +8507,7 @@
           <p:cNvPr id="3" name="Content Placeholder 2">
             <a:extLst>
               <a:ext uri="{FF2B5EF4-FFF2-40B4-BE49-F238E27FC236}">
-                <a16:creationId xmlns:a16="http://schemas.microsoft.com/office/drawing/2014/main" id="{5531EF27-D2DA-41AE-A731-BD99781EEF43}"/>
+                <a16:creationId xmlns:a16="http://schemas.microsoft.com/office/drawing/2014/main" id="{1221AAC2-805A-4AE5-A783-EC4647A55F66}"/>
               </a:ext>
             </a:extLst>
           </p:cNvPr>
@@ -8534,33 +8525,49 @@
           <a:p>
             <a:r>
               <a:rPr lang="en-US" dirty="0"/>
-              <a:t>Fitness</a:t>
-            </a:r>
-          </a:p>
-          <a:p>
-            <a:r>
-              <a:rPr lang="en-US" dirty="0"/>
-              <a:t>Simplicity</a:t>
-            </a:r>
-          </a:p>
-          <a:p>
-            <a:r>
-              <a:rPr lang="en-US" dirty="0"/>
-              <a:t>Precision</a:t>
-            </a:r>
-          </a:p>
-          <a:p>
-            <a:r>
-              <a:rPr lang="en-US" dirty="0"/>
-              <a:t>Generalization</a:t>
-            </a:r>
+              <a:t>Appropriate for modeling: speed, efficiency, syntax, and readability</a:t>
+            </a:r>
+          </a:p>
+          <a:p>
+            <a:r>
+              <a:rPr lang="en-US" dirty="0"/>
+              <a:t>Swift</a:t>
+            </a:r>
+          </a:p>
+          <a:p>
+            <a:r>
+              <a:rPr lang="en-US" dirty="0"/>
+              <a:t>C/C++</a:t>
+            </a:r>
+          </a:p>
+          <a:p>
+            <a:r>
+              <a:rPr lang="en-US" dirty="0"/>
+              <a:t>Rust</a:t>
+            </a:r>
+          </a:p>
+          <a:p>
+            <a:r>
+              <a:rPr lang="en-US" dirty="0"/>
+              <a:t>Java</a:t>
+            </a:r>
+          </a:p>
+          <a:p>
+            <a:r>
+              <a:rPr lang="en-US" dirty="0" err="1"/>
+              <a:t>ProM</a:t>
+            </a:r>
+            <a:endParaRPr lang="en-US" dirty="0"/>
+          </a:p>
+          <a:p>
+            <a:endParaRPr lang="en-US" dirty="0"/>
           </a:p>
         </p:txBody>
       </p:sp>
     </p:spTree>
     <p:extLst>
       <p:ext uri="{BB962C8B-B14F-4D97-AF65-F5344CB8AC3E}">
-        <p14:creationId xmlns:p14="http://schemas.microsoft.com/office/powerpoint/2010/main" val="4114383330"/>
+        <p14:creationId xmlns:p14="http://schemas.microsoft.com/office/powerpoint/2010/main" val="3950442811"/>
       </p:ext>
     </p:extLst>
   </p:cSld>
@@ -8592,7 +8599,7 @@
           <p:cNvPr id="2" name="Title 1">
             <a:extLst>
               <a:ext uri="{FF2B5EF4-FFF2-40B4-BE49-F238E27FC236}">
-                <a16:creationId xmlns:a16="http://schemas.microsoft.com/office/drawing/2014/main" id="{F1B815D9-A90B-4C2B-90FB-7B625542A436}"/>
+                <a16:creationId xmlns:a16="http://schemas.microsoft.com/office/drawing/2014/main" id="{05FBD2A8-8198-40D1-8431-93EF4FF3EFA9}"/>
               </a:ext>
             </a:extLst>
           </p:cNvPr>
@@ -8610,7 +8617,7 @@
           <a:p>
             <a:r>
               <a:rPr lang="en-US" dirty="0"/>
-              <a:t>Process Discovery – Concerns</a:t>
+              <a:t>Process Discovery – Quality</a:t>
             </a:r>
           </a:p>
         </p:txBody>
@@ -8620,7 +8627,7 @@
           <p:cNvPr id="3" name="Content Placeholder 2">
             <a:extLst>
               <a:ext uri="{FF2B5EF4-FFF2-40B4-BE49-F238E27FC236}">
-                <a16:creationId xmlns:a16="http://schemas.microsoft.com/office/drawing/2014/main" id="{7A29391A-6D41-4439-B0C3-B9A2B3F2E4C9}"/>
+                <a16:creationId xmlns:a16="http://schemas.microsoft.com/office/drawing/2014/main" id="{5531EF27-D2DA-41AE-A731-BD99781EEF43}"/>
               </a:ext>
             </a:extLst>
           </p:cNvPr>
@@ -8638,19 +8645,25 @@
           <a:p>
             <a:r>
               <a:rPr lang="en-US" dirty="0"/>
-              <a:t>Representational Bias</a:t>
-            </a:r>
-          </a:p>
-          <a:p>
-            <a:r>
-              <a:rPr lang="en-US" dirty="0"/>
-              <a:t>Exceptional Behavior</a:t>
-            </a:r>
-          </a:p>
-          <a:p>
-            <a:r>
-              <a:rPr lang="en-US" dirty="0"/>
-              <a:t>Completeness Assumptions</a:t>
+              <a:t>Fitness</a:t>
+            </a:r>
+          </a:p>
+          <a:p>
+            <a:r>
+              <a:rPr lang="en-US" dirty="0"/>
+              <a:t>Simplicity</a:t>
+            </a:r>
+          </a:p>
+          <a:p>
+            <a:r>
+              <a:rPr lang="en-US" dirty="0"/>
+              <a:t>Precision</a:t>
+            </a:r>
+          </a:p>
+          <a:p>
+            <a:r>
+              <a:rPr lang="en-US" dirty="0"/>
+              <a:t>Generalization</a:t>
             </a:r>
           </a:p>
         </p:txBody>
@@ -8658,7 +8671,7 @@
     </p:spTree>
     <p:extLst>
       <p:ext uri="{BB962C8B-B14F-4D97-AF65-F5344CB8AC3E}">
-        <p14:creationId xmlns:p14="http://schemas.microsoft.com/office/powerpoint/2010/main" val="1001589537"/>
+        <p14:creationId xmlns:p14="http://schemas.microsoft.com/office/powerpoint/2010/main" val="4114383330"/>
       </p:ext>
     </p:extLst>
   </p:cSld>
@@ -8690,7 +8703,7 @@
           <p:cNvPr id="2" name="Title 1">
             <a:extLst>
               <a:ext uri="{FF2B5EF4-FFF2-40B4-BE49-F238E27FC236}">
-                <a16:creationId xmlns:a16="http://schemas.microsoft.com/office/drawing/2014/main" id="{D7F01B99-7D5F-4231-88CA-964F0F2ACF84}"/>
+                <a16:creationId xmlns:a16="http://schemas.microsoft.com/office/drawing/2014/main" id="{F1B815D9-A90B-4C2B-90FB-7B625542A436}"/>
               </a:ext>
             </a:extLst>
           </p:cNvPr>
@@ -8708,7 +8721,7 @@
           <a:p>
             <a:r>
               <a:rPr lang="en-US" dirty="0"/>
-              <a:t>Process Discovery – Approaches</a:t>
+              <a:t>Process Discovery – Concerns</a:t>
             </a:r>
           </a:p>
         </p:txBody>
@@ -8718,7 +8731,7 @@
           <p:cNvPr id="3" name="Content Placeholder 2">
             <a:extLst>
               <a:ext uri="{FF2B5EF4-FFF2-40B4-BE49-F238E27FC236}">
-                <a16:creationId xmlns:a16="http://schemas.microsoft.com/office/drawing/2014/main" id="{685A1C2F-D979-4B6F-9FB8-C662038E7A10}"/>
+                <a16:creationId xmlns:a16="http://schemas.microsoft.com/office/drawing/2014/main" id="{7A29391A-6D41-4439-B0C3-B9A2B3F2E4C9}"/>
               </a:ext>
             </a:extLst>
           </p:cNvPr>
@@ -8736,25 +8749,19 @@
           <a:p>
             <a:r>
               <a:rPr lang="en-US" dirty="0"/>
-              <a:t>Direct/Algorithm Approach</a:t>
-            </a:r>
-          </a:p>
-          <a:p>
-            <a:r>
-              <a:rPr lang="en-US" dirty="0"/>
-              <a:t>Two-Step Approach</a:t>
-            </a:r>
-          </a:p>
-          <a:p>
-            <a:r>
-              <a:rPr lang="en-US" dirty="0"/>
-              <a:t>Divide and Conquer</a:t>
-            </a:r>
-          </a:p>
-          <a:p>
-            <a:r>
-              <a:rPr lang="en-US" dirty="0"/>
-              <a:t>Computationally Intelligent Approach</a:t>
+              <a:t>Representational Bias</a:t>
+            </a:r>
+          </a:p>
+          <a:p>
+            <a:r>
+              <a:rPr lang="en-US" dirty="0"/>
+              <a:t>Exceptional Behavior</a:t>
+            </a:r>
+          </a:p>
+          <a:p>
+            <a:r>
+              <a:rPr lang="en-US" dirty="0"/>
+              <a:t>Completeness Assumptions</a:t>
             </a:r>
           </a:p>
         </p:txBody>
@@ -8762,7 +8769,7 @@
     </p:spTree>
     <p:extLst>
       <p:ext uri="{BB962C8B-B14F-4D97-AF65-F5344CB8AC3E}">
-        <p14:creationId xmlns:p14="http://schemas.microsoft.com/office/powerpoint/2010/main" val="2181605941"/>
+        <p14:creationId xmlns:p14="http://schemas.microsoft.com/office/powerpoint/2010/main" val="1001589537"/>
       </p:ext>
     </p:extLst>
   </p:cSld>
@@ -8794,6 +8801,110 @@
           <p:cNvPr id="2" name="Title 1">
             <a:extLst>
               <a:ext uri="{FF2B5EF4-FFF2-40B4-BE49-F238E27FC236}">
+                <a16:creationId xmlns:a16="http://schemas.microsoft.com/office/drawing/2014/main" id="{D7F01B99-7D5F-4231-88CA-964F0F2ACF84}"/>
+              </a:ext>
+            </a:extLst>
+          </p:cNvPr>
+          <p:cNvSpPr>
+            <a:spLocks noGrp="1"/>
+          </p:cNvSpPr>
+          <p:nvPr>
+            <p:ph type="title"/>
+          </p:nvPr>
+        </p:nvSpPr>
+        <p:spPr/>
+        <p:txBody>
+          <a:bodyPr/>
+          <a:lstStyle/>
+          <a:p>
+            <a:r>
+              <a:rPr lang="en-US" dirty="0"/>
+              <a:t>Process Discovery – Approaches</a:t>
+            </a:r>
+          </a:p>
+        </p:txBody>
+      </p:sp>
+      <p:sp>
+        <p:nvSpPr>
+          <p:cNvPr id="3" name="Content Placeholder 2">
+            <a:extLst>
+              <a:ext uri="{FF2B5EF4-FFF2-40B4-BE49-F238E27FC236}">
+                <a16:creationId xmlns:a16="http://schemas.microsoft.com/office/drawing/2014/main" id="{685A1C2F-D979-4B6F-9FB8-C662038E7A10}"/>
+              </a:ext>
+            </a:extLst>
+          </p:cNvPr>
+          <p:cNvSpPr>
+            <a:spLocks noGrp="1"/>
+          </p:cNvSpPr>
+          <p:nvPr>
+            <p:ph idx="1"/>
+          </p:nvPr>
+        </p:nvSpPr>
+        <p:spPr/>
+        <p:txBody>
+          <a:bodyPr/>
+          <a:lstStyle/>
+          <a:p>
+            <a:r>
+              <a:rPr lang="en-US" dirty="0"/>
+              <a:t>Direct/Algorithm Approach</a:t>
+            </a:r>
+          </a:p>
+          <a:p>
+            <a:r>
+              <a:rPr lang="en-US" dirty="0"/>
+              <a:t>Two-Step Approach</a:t>
+            </a:r>
+          </a:p>
+          <a:p>
+            <a:r>
+              <a:rPr lang="en-US" dirty="0"/>
+              <a:t>Divide and Conquer</a:t>
+            </a:r>
+          </a:p>
+          <a:p>
+            <a:r>
+              <a:rPr lang="en-US" dirty="0"/>
+              <a:t>Computationally Intelligent Approach</a:t>
+            </a:r>
+          </a:p>
+        </p:txBody>
+      </p:sp>
+    </p:spTree>
+    <p:extLst>
+      <p:ext uri="{BB962C8B-B14F-4D97-AF65-F5344CB8AC3E}">
+        <p14:creationId xmlns:p14="http://schemas.microsoft.com/office/powerpoint/2010/main" val="2181605941"/>
+      </p:ext>
+    </p:extLst>
+  </p:cSld>
+  <p:clrMapOvr>
+    <a:masterClrMapping/>
+  </p:clrMapOvr>
+</p:sld>
+</file>
+
+<file path=ppt/slides/slide26.xml><?xml version="1.0" encoding="utf-8"?>
+<p:sld xmlns:a="http://schemas.openxmlformats.org/drawingml/2006/main" xmlns:r="http://schemas.openxmlformats.org/officeDocument/2006/relationships" xmlns:p="http://schemas.openxmlformats.org/presentationml/2006/main">
+  <p:cSld>
+    <p:spTree>
+      <p:nvGrpSpPr>
+        <p:cNvPr id="1" name=""/>
+        <p:cNvGrpSpPr/>
+        <p:nvPr/>
+      </p:nvGrpSpPr>
+      <p:grpSpPr>
+        <a:xfrm>
+          <a:off x="0" y="0"/>
+          <a:ext cx="0" cy="0"/>
+          <a:chOff x="0" y="0"/>
+          <a:chExt cx="0" cy="0"/>
+        </a:xfrm>
+      </p:grpSpPr>
+      <p:sp>
+        <p:nvSpPr>
+          <p:cNvPr id="2" name="Title 1">
+            <a:extLst>
+              <a:ext uri="{FF2B5EF4-FFF2-40B4-BE49-F238E27FC236}">
                 <a16:creationId xmlns:a16="http://schemas.microsoft.com/office/drawing/2014/main" id="{1E10A66B-AFE9-41B0-839B-5A70BB5F1D67}"/>
               </a:ext>
             </a:extLst>
@@ -8817,8 +8928,8 @@
           </a:p>
         </p:txBody>
       </p:sp>
-      <mc:AlternateContent xmlns:mc="http://schemas.openxmlformats.org/markup-compatibility/2006">
-        <mc:Choice xmlns:a14="http://schemas.microsoft.com/office/drawing/2010/main" Requires="a14">
+      <mc:AlternateContent xmlns:mc="http://schemas.openxmlformats.org/markup-compatibility/2006" xmlns:a14="http://schemas.microsoft.com/office/drawing/2010/main">
+        <mc:Choice Requires="a14">
           <p:sp>
             <p:nvSpPr>
               <p:cNvPr id="3" name="Content Placeholder 2">
@@ -8877,7 +8988,7 @@
             </p:txBody>
           </p:sp>
         </mc:Choice>
-        <mc:Fallback>
+        <mc:Fallback xmlns="">
           <p:sp>
             <p:nvSpPr>
               <p:cNvPr id="3" name="Content Placeholder 2">
@@ -8966,7 +9077,7 @@
 </p:sld>
 </file>
 
-<file path=ppt/slides/slide26.xml><?xml version="1.0" encoding="utf-8"?>
+<file path=ppt/slides/slide27.xml><?xml version="1.0" encoding="utf-8"?>
 <p:sld xmlns:a="http://schemas.openxmlformats.org/drawingml/2006/main" xmlns:r="http://schemas.openxmlformats.org/officeDocument/2006/relationships" xmlns:p="http://schemas.openxmlformats.org/presentationml/2006/main">
   <p:cSld>
     <p:spTree>
@@ -9106,7 +9217,7 @@
 </p:sld>
 </file>
 
-<file path=ppt/slides/slide27.xml><?xml version="1.0" encoding="utf-8"?>
+<file path=ppt/slides/slide28.xml><?xml version="1.0" encoding="utf-8"?>
 <p:sld xmlns:a="http://schemas.openxmlformats.org/drawingml/2006/main" xmlns:r="http://schemas.openxmlformats.org/officeDocument/2006/relationships" xmlns:p="http://schemas.openxmlformats.org/presentationml/2006/main">
   <p:cSld>
     <p:spTree>
@@ -9262,7 +9373,7 @@
 </p:sld>
 </file>
 
-<file path=ppt/slides/slide28.xml><?xml version="1.0" encoding="utf-8"?>
+<file path=ppt/slides/slide29.xml><?xml version="1.0" encoding="utf-8"?>
 <p:sld xmlns:a="http://schemas.openxmlformats.org/drawingml/2006/main" xmlns:r="http://schemas.openxmlformats.org/officeDocument/2006/relationships" xmlns:p="http://schemas.openxmlformats.org/presentationml/2006/main">
   <p:cSld>
     <p:spTree>
@@ -9800,6 +9911,101 @@
           <p:cNvPr id="2" name="Title 1">
             <a:extLst>
               <a:ext uri="{FF2B5EF4-FFF2-40B4-BE49-F238E27FC236}">
+                <a16:creationId xmlns:a16="http://schemas.microsoft.com/office/drawing/2014/main" id="{C744FBF9-0D5A-41CF-8C07-20E271A7B7EF}"/>
+              </a:ext>
+            </a:extLst>
+          </p:cNvPr>
+          <p:cNvSpPr>
+            <a:spLocks noGrp="1"/>
+          </p:cNvSpPr>
+          <p:nvPr>
+            <p:ph type="title"/>
+          </p:nvPr>
+        </p:nvSpPr>
+        <p:spPr/>
+        <p:txBody>
+          <a:bodyPr/>
+          <a:lstStyle/>
+          <a:p>
+            <a:r>
+              <a:rPr lang="en-US" dirty="0"/>
+              <a:t>Session Goals</a:t>
+            </a:r>
+          </a:p>
+        </p:txBody>
+      </p:sp>
+      <p:sp>
+        <p:nvSpPr>
+          <p:cNvPr id="3" name="Content Placeholder 2">
+            <a:extLst>
+              <a:ext uri="{FF2B5EF4-FFF2-40B4-BE49-F238E27FC236}">
+                <a16:creationId xmlns:a16="http://schemas.microsoft.com/office/drawing/2014/main" id="{5361F9BF-FB4C-415B-8F86-E5CA31DBAE83}"/>
+              </a:ext>
+            </a:extLst>
+          </p:cNvPr>
+          <p:cNvSpPr>
+            <a:spLocks noGrp="1"/>
+          </p:cNvSpPr>
+          <p:nvPr>
+            <p:ph idx="1"/>
+          </p:nvPr>
+        </p:nvSpPr>
+        <p:spPr/>
+        <p:txBody>
+          <a:bodyPr/>
+          <a:lstStyle/>
+          <a:p>
+            <a:r>
+              <a:rPr lang="en-US" dirty="0"/>
+              <a:t>Previously: Collaborative Speech Acts, LTL, Causal Nets &amp; Algorithms, Coding considerations</a:t>
+            </a:r>
+          </a:p>
+          <a:p>
+            <a:r>
+              <a:rPr lang="en-US" dirty="0"/>
+              <a:t>Currently: Process Discovery &amp; Coding language finalization</a:t>
+            </a:r>
+          </a:p>
+          <a:p>
+            <a:endParaRPr lang="en-US" dirty="0"/>
+          </a:p>
+        </p:txBody>
+      </p:sp>
+    </p:spTree>
+    <p:extLst>
+      <p:ext uri="{BB962C8B-B14F-4D97-AF65-F5344CB8AC3E}">
+        <p14:creationId xmlns:p14="http://schemas.microsoft.com/office/powerpoint/2010/main" val="744069926"/>
+      </p:ext>
+    </p:extLst>
+  </p:cSld>
+  <p:clrMapOvr>
+    <a:masterClrMapping/>
+  </p:clrMapOvr>
+</p:sld>
+</file>
+
+<file path=ppt/slides/slide8.xml><?xml version="1.0" encoding="utf-8"?>
+<p:sld xmlns:a="http://schemas.openxmlformats.org/drawingml/2006/main" xmlns:r="http://schemas.openxmlformats.org/officeDocument/2006/relationships" xmlns:p="http://schemas.openxmlformats.org/presentationml/2006/main">
+  <p:cSld>
+    <p:spTree>
+      <p:nvGrpSpPr>
+        <p:cNvPr id="1" name=""/>
+        <p:cNvGrpSpPr/>
+        <p:nvPr/>
+      </p:nvGrpSpPr>
+      <p:grpSpPr>
+        <a:xfrm>
+          <a:off x="0" y="0"/>
+          <a:ext cx="0" cy="0"/>
+          <a:chOff x="0" y="0"/>
+          <a:chExt cx="0" cy="0"/>
+        </a:xfrm>
+      </p:grpSpPr>
+      <p:sp>
+        <p:nvSpPr>
+          <p:cNvPr id="2" name="Title 1">
+            <a:extLst>
+              <a:ext uri="{FF2B5EF4-FFF2-40B4-BE49-F238E27FC236}">
                 <a16:creationId xmlns:a16="http://schemas.microsoft.com/office/drawing/2014/main" id="{C69318A1-5B33-4A8E-8877-674D415AB496}"/>
               </a:ext>
             </a:extLst>
@@ -9862,107 +10068,6 @@
     <p:extLst>
       <p:ext uri="{BB962C8B-B14F-4D97-AF65-F5344CB8AC3E}">
         <p14:creationId xmlns:p14="http://schemas.microsoft.com/office/powerpoint/2010/main" val="2438783535"/>
-      </p:ext>
-    </p:extLst>
-  </p:cSld>
-  <p:clrMapOvr>
-    <a:masterClrMapping/>
-  </p:clrMapOvr>
-</p:sld>
-</file>
-
-<file path=ppt/slides/slide8.xml><?xml version="1.0" encoding="utf-8"?>
-<p:sld xmlns:a="http://schemas.openxmlformats.org/drawingml/2006/main" xmlns:r="http://schemas.openxmlformats.org/officeDocument/2006/relationships" xmlns:p="http://schemas.openxmlformats.org/presentationml/2006/main" show="0">
-  <p:cSld>
-    <p:spTree>
-      <p:nvGrpSpPr>
-        <p:cNvPr id="1" name=""/>
-        <p:cNvGrpSpPr/>
-        <p:nvPr/>
-      </p:nvGrpSpPr>
-      <p:grpSpPr>
-        <a:xfrm>
-          <a:off x="0" y="0"/>
-          <a:ext cx="0" cy="0"/>
-          <a:chOff x="0" y="0"/>
-          <a:chExt cx="0" cy="0"/>
-        </a:xfrm>
-      </p:grpSpPr>
-      <p:sp>
-        <p:nvSpPr>
-          <p:cNvPr id="2" name="Title 1">
-            <a:extLst>
-              <a:ext uri="{FF2B5EF4-FFF2-40B4-BE49-F238E27FC236}">
-                <a16:creationId xmlns:a16="http://schemas.microsoft.com/office/drawing/2014/main" id="{C92D0183-7322-4359-ADEB-35265D89E45C}"/>
-              </a:ext>
-            </a:extLst>
-          </p:cNvPr>
-          <p:cNvSpPr>
-            <a:spLocks noGrp="1"/>
-          </p:cNvSpPr>
-          <p:nvPr>
-            <p:ph type="title"/>
-          </p:nvPr>
-        </p:nvSpPr>
-        <p:spPr/>
-        <p:txBody>
-          <a:bodyPr/>
-          <a:lstStyle/>
-          <a:p>
-            <a:r>
-              <a:rPr lang="en-US" dirty="0"/>
-              <a:t>Collaborative Speech Act</a:t>
-            </a:r>
-          </a:p>
-        </p:txBody>
-      </p:sp>
-      <p:sp>
-        <p:nvSpPr>
-          <p:cNvPr id="3" name="Content Placeholder 2">
-            <a:extLst>
-              <a:ext uri="{FF2B5EF4-FFF2-40B4-BE49-F238E27FC236}">
-                <a16:creationId xmlns:a16="http://schemas.microsoft.com/office/drawing/2014/main" id="{B2FC5CC5-A719-4DBD-86C7-126D9EDC378F}"/>
-              </a:ext>
-            </a:extLst>
-          </p:cNvPr>
-          <p:cNvSpPr>
-            <a:spLocks noGrp="1"/>
-          </p:cNvSpPr>
-          <p:nvPr>
-            <p:ph idx="1"/>
-          </p:nvPr>
-        </p:nvSpPr>
-        <p:spPr/>
-        <p:txBody>
-          <a:bodyPr/>
-          <a:lstStyle/>
-          <a:p>
-            <a:r>
-              <a:rPr lang="en-US" dirty="0"/>
-              <a:t>Speech utterances involved in the process of collaboration between two people.</a:t>
-            </a:r>
-          </a:p>
-          <a:p>
-            <a:r>
-              <a:rPr lang="en-US" dirty="0"/>
-              <a:t>Many categories: Relationship Management, Interaction Management, Information Management, Argumentation Management, Task Management, Tool Management, Other, Outside Activity.</a:t>
-            </a:r>
-          </a:p>
-          <a:p>
-            <a:r>
-              <a:rPr lang="en-US" dirty="0"/>
-              <a:t>Many different acts within those categories: Check comprehension, Elicit Opinion, Agree, etc.</a:t>
-            </a:r>
-          </a:p>
-          <a:p>
-            <a:endParaRPr lang="en-US" dirty="0"/>
-          </a:p>
-        </p:txBody>
-      </p:sp>
-    </p:spTree>
-    <p:extLst>
-      <p:ext uri="{BB962C8B-B14F-4D97-AF65-F5344CB8AC3E}">
-        <p14:creationId xmlns:p14="http://schemas.microsoft.com/office/powerpoint/2010/main" val="1894257725"/>
       </p:ext>
     </p:extLst>
   </p:cSld>
@@ -9994,7 +10099,7 @@
           <p:cNvPr id="2" name="Title 1">
             <a:extLst>
               <a:ext uri="{FF2B5EF4-FFF2-40B4-BE49-F238E27FC236}">
-                <a16:creationId xmlns:a16="http://schemas.microsoft.com/office/drawing/2014/main" id="{5A565922-C0F0-4D5B-82EE-F5FD671ACDF8}"/>
+                <a16:creationId xmlns:a16="http://schemas.microsoft.com/office/drawing/2014/main" id="{C92D0183-7322-4359-ADEB-35265D89E45C}"/>
               </a:ext>
             </a:extLst>
           </p:cNvPr>
@@ -10010,69 +10115,60 @@
           <a:bodyPr/>
           <a:lstStyle/>
           <a:p>
+            <a:r>
+              <a:rPr lang="en-US" dirty="0"/>
+              <a:t>Collaborative Speech Act</a:t>
+            </a:r>
+          </a:p>
+        </p:txBody>
+      </p:sp>
+      <p:sp>
+        <p:nvSpPr>
+          <p:cNvPr id="3" name="Content Placeholder 2">
+            <a:extLst>
+              <a:ext uri="{FF2B5EF4-FFF2-40B4-BE49-F238E27FC236}">
+                <a16:creationId xmlns:a16="http://schemas.microsoft.com/office/drawing/2014/main" id="{B2FC5CC5-A719-4DBD-86C7-126D9EDC378F}"/>
+              </a:ext>
+            </a:extLst>
+          </p:cNvPr>
+          <p:cNvSpPr>
+            <a:spLocks noGrp="1"/>
+          </p:cNvSpPr>
+          <p:nvPr>
+            <p:ph idx="1"/>
+          </p:nvPr>
+        </p:nvSpPr>
+        <p:spPr/>
+        <p:txBody>
+          <a:bodyPr/>
+          <a:lstStyle/>
+          <a:p>
+            <a:r>
+              <a:rPr lang="en-US" dirty="0"/>
+              <a:t>Speech utterances involved in the process of collaboration between two people.</a:t>
+            </a:r>
+          </a:p>
+          <a:p>
+            <a:r>
+              <a:rPr lang="en-US" dirty="0"/>
+              <a:t>Many categories: Relationship Management, Interaction Management, Information Management, Argumentation Management, Task Management, Tool Management, Other, Outside Activity.</a:t>
+            </a:r>
+          </a:p>
+          <a:p>
+            <a:r>
+              <a:rPr lang="en-US" dirty="0"/>
+              <a:t>Many different acts within those categories: Check comprehension, Elicit Opinion, Agree, etc.</a:t>
+            </a:r>
+          </a:p>
+          <a:p>
             <a:endParaRPr lang="en-US" dirty="0"/>
           </a:p>
         </p:txBody>
       </p:sp>
-      <p:sp>
-        <p:nvSpPr>
-          <p:cNvPr id="3" name="Content Placeholder 2">
-            <a:extLst>
-              <a:ext uri="{FF2B5EF4-FFF2-40B4-BE49-F238E27FC236}">
-                <a16:creationId xmlns:a16="http://schemas.microsoft.com/office/drawing/2014/main" id="{2DAC526F-3D9C-46A3-8CAB-74C93684E130}"/>
-              </a:ext>
-            </a:extLst>
-          </p:cNvPr>
-          <p:cNvSpPr>
-            <a:spLocks noGrp="1"/>
-          </p:cNvSpPr>
-          <p:nvPr>
-            <p:ph idx="1"/>
-          </p:nvPr>
-        </p:nvSpPr>
-        <p:spPr/>
-        <p:txBody>
-          <a:bodyPr/>
-          <a:lstStyle/>
-          <a:p>
-            <a:endParaRPr lang="en-US" dirty="0"/>
-          </a:p>
-        </p:txBody>
-      </p:sp>
-      <p:pic>
-        <p:nvPicPr>
-          <p:cNvPr id="6" name="Picture 5">
-            <a:extLst>
-              <a:ext uri="{FF2B5EF4-FFF2-40B4-BE49-F238E27FC236}">
-                <a16:creationId xmlns:a16="http://schemas.microsoft.com/office/drawing/2014/main" id="{C75B623B-93D0-43B3-9764-F495CC02D042}"/>
-              </a:ext>
-            </a:extLst>
-          </p:cNvPr>
-          <p:cNvPicPr>
-            <a:picLocks noChangeAspect="1"/>
-          </p:cNvPicPr>
-          <p:nvPr/>
-        </p:nvPicPr>
-        <p:blipFill>
-          <a:blip r:embed="rId3"/>
-          <a:stretch>
-            <a:fillRect/>
-          </a:stretch>
-        </p:blipFill>
-        <p:spPr>
-          <a:xfrm>
-            <a:off x="268626" y="0"/>
-            <a:ext cx="11654747" cy="6858000"/>
-          </a:xfrm>
-          <a:prstGeom prst="rect">
-            <a:avLst/>
-          </a:prstGeom>
-        </p:spPr>
-      </p:pic>
     </p:spTree>
     <p:extLst>
       <p:ext uri="{BB962C8B-B14F-4D97-AF65-F5344CB8AC3E}">
-        <p14:creationId xmlns:p14="http://schemas.microsoft.com/office/powerpoint/2010/main" val="4262448210"/>
+        <p14:creationId xmlns:p14="http://schemas.microsoft.com/office/powerpoint/2010/main" val="1894257725"/>
       </p:ext>
     </p:extLst>
   </p:cSld>
